--- a/documents/seminar 2/GDP Group 18 pres.pptx
+++ b/documents/seminar 2/GDP Group 18 pres.pptx
@@ -5,7 +5,7 @@
     <p:sldMasterId id="2147483684" r:id="rId1"/>
   </p:sldMasterIdLst>
   <p:notesMasterIdLst>
-    <p:notesMasterId r:id="rId46"/>
+    <p:notesMasterId r:id="rId49"/>
   </p:notesMasterIdLst>
   <p:sldIdLst>
     <p:sldId id="256" r:id="rId2"/>
@@ -21,7 +21,7 @@
     <p:sldId id="293" r:id="rId12"/>
     <p:sldId id="264" r:id="rId13"/>
     <p:sldId id="294" r:id="rId14"/>
-    <p:sldId id="265" r:id="rId15"/>
+    <p:sldId id="321" r:id="rId15"/>
     <p:sldId id="295" r:id="rId16"/>
     <p:sldId id="285" r:id="rId17"/>
     <p:sldId id="296" r:id="rId18"/>
@@ -47,11 +47,14 @@
     <p:sldId id="311" r:id="rId38"/>
     <p:sldId id="314" r:id="rId39"/>
     <p:sldId id="315" r:id="rId40"/>
-    <p:sldId id="271" r:id="rId41"/>
-    <p:sldId id="301" r:id="rId42"/>
-    <p:sldId id="317" r:id="rId43"/>
-    <p:sldId id="318" r:id="rId44"/>
-    <p:sldId id="291" r:id="rId45"/>
+    <p:sldId id="320" r:id="rId41"/>
+    <p:sldId id="319" r:id="rId42"/>
+    <p:sldId id="271" r:id="rId43"/>
+    <p:sldId id="322" r:id="rId44"/>
+    <p:sldId id="301" r:id="rId45"/>
+    <p:sldId id="317" r:id="rId46"/>
+    <p:sldId id="318" r:id="rId47"/>
+    <p:sldId id="291" r:id="rId48"/>
   </p:sldIdLst>
   <p:sldSz cx="9144000" cy="6858000" type="screen4x3"/>
   <p:notesSz cx="6858000" cy="9144000"/>
@@ -6639,7 +6642,7 @@
             <a:fld id="{D688A60F-85B4-464C-B737-9D121DC0ED23}" type="slidenum">
               <a:rPr lang="en-GB" smtClean="0"/>
               <a:pPr eaLnBrk="1" hangingPunct="1"/>
-              <a:t>40</a:t>
+              <a:t>41</a:t>
             </a:fld>
             <a:endParaRPr lang="en-GB" smtClean="0"/>
           </a:p>
@@ -6672,7 +6675,7 @@
       </p:grpSpPr>
       <p:sp>
         <p:nvSpPr>
-          <p:cNvPr id="63490" name="Slide Image Placeholder 1"/>
+          <p:cNvPr id="57346" name="Slide Image Placeholder 1"/>
           <p:cNvSpPr>
             <a:spLocks noGrp="1" noRot="1" noChangeAspect="1" noTextEdit="1"/>
           </p:cNvSpPr>
@@ -6703,7 +6706,7 @@
       </p:sp>
       <p:sp>
         <p:nvSpPr>
-          <p:cNvPr id="63491" name="Notes Placeholder 2"/>
+          <p:cNvPr id="57347" name="Notes Placeholder 2"/>
           <p:cNvSpPr>
             <a:spLocks noGrp="1"/>
           </p:cNvSpPr>
@@ -6741,13 +6744,17 @@
           </a:bodyPr>
           <a:lstStyle/>
           <a:p>
-            <a:endParaRPr lang="en-GB" smtClean="0"/>
-          </a:p>
-        </p:txBody>
-      </p:sp>
-      <p:sp>
-        <p:nvSpPr>
-          <p:cNvPr id="63492" name="Slide Number Placeholder 3"/>
+            <a:pPr eaLnBrk="1" hangingPunct="1"/>
+            <a:r>
+              <a:rPr lang="en-GB" smtClean="0"/>
+              <a:t>Andy</a:t>
+            </a:r>
+          </a:p>
+        </p:txBody>
+      </p:sp>
+      <p:sp>
+        <p:nvSpPr>
+          <p:cNvPr id="57348" name="Slide Number Placeholder 3"/>
           <p:cNvSpPr>
             <a:spLocks noGrp="1"/>
           </p:cNvSpPr>
@@ -6892,10 +6899,10 @@
           </a:lstStyle>
           <a:p>
             <a:pPr eaLnBrk="1" hangingPunct="1"/>
-            <a:fld id="{5006CFED-B566-4457-8892-CC12A78007E0}" type="slidenum">
+            <a:fld id="{D688A60F-85B4-464C-B737-9D121DC0ED23}" type="slidenum">
               <a:rPr lang="en-GB" smtClean="0"/>
               <a:pPr eaLnBrk="1" hangingPunct="1"/>
-              <a:t>44</a:t>
+              <a:t>42</a:t>
             </a:fld>
             <a:endParaRPr lang="en-GB" smtClean="0"/>
           </a:p>
@@ -7156,6 +7163,262 @@
               <a:rPr lang="en-GB" smtClean="0"/>
               <a:pPr eaLnBrk="1" hangingPunct="1"/>
               <a:t>3</a:t>
+            </a:fld>
+            <a:endParaRPr lang="en-GB" smtClean="0"/>
+          </a:p>
+        </p:txBody>
+      </p:sp>
+    </p:spTree>
+  </p:cSld>
+  <p:clrMapOvr>
+    <a:masterClrMapping/>
+  </p:clrMapOvr>
+</p:notes>
+</file>
+
+<file path=ppt/notesSlides/notesSlide30.xml><?xml version="1.0" encoding="utf-8"?>
+<p:notes xmlns:a="http://schemas.openxmlformats.org/drawingml/2006/main" xmlns:r="http://schemas.openxmlformats.org/officeDocument/2006/relationships" xmlns:p="http://schemas.openxmlformats.org/presentationml/2006/main">
+  <p:cSld>
+    <p:spTree>
+      <p:nvGrpSpPr>
+        <p:cNvPr id="1" name=""/>
+        <p:cNvGrpSpPr/>
+        <p:nvPr/>
+      </p:nvGrpSpPr>
+      <p:grpSpPr>
+        <a:xfrm>
+          <a:off x="0" y="0"/>
+          <a:ext cx="0" cy="0"/>
+          <a:chOff x="0" y="0"/>
+          <a:chExt cx="0" cy="0"/>
+        </a:xfrm>
+      </p:grpSpPr>
+      <p:sp>
+        <p:nvSpPr>
+          <p:cNvPr id="63490" name="Slide Image Placeholder 1"/>
+          <p:cNvSpPr>
+            <a:spLocks noGrp="1" noRot="1" noChangeAspect="1" noTextEdit="1"/>
+          </p:cNvSpPr>
+          <p:nvPr>
+            <p:ph type="sldImg"/>
+          </p:nvPr>
+        </p:nvSpPr>
+        <p:spPr bwMode="auto">
+          <a:noFill/>
+          <a:ln>
+            <a:solidFill>
+              <a:srgbClr val="000000"/>
+            </a:solidFill>
+            <a:miter lim="800000"/>
+            <a:headEnd/>
+            <a:tailEnd/>
+          </a:ln>
+          <a:extLst>
+            <a:ext uri="{909E8E84-426E-40DD-AFC4-6F175D3DCCD1}">
+              <a14:hiddenFill xmlns:a14="http://schemas.microsoft.com/office/drawing/2010/main">
+                <a:solidFill>
+                  <a:srgbClr val="FFFFFF"/>
+                </a:solidFill>
+              </a14:hiddenFill>
+            </a:ext>
+          </a:extLst>
+        </p:spPr>
+      </p:sp>
+      <p:sp>
+        <p:nvSpPr>
+          <p:cNvPr id="63491" name="Notes Placeholder 2"/>
+          <p:cNvSpPr>
+            <a:spLocks noGrp="1"/>
+          </p:cNvSpPr>
+          <p:nvPr>
+            <p:ph type="body" idx="1"/>
+          </p:nvPr>
+        </p:nvSpPr>
+        <p:spPr bwMode="auto">
+          <a:noFill/>
+          <a:extLst>
+            <a:ext uri="{909E8E84-426E-40DD-AFC4-6F175D3DCCD1}">
+              <a14:hiddenFill xmlns:a14="http://schemas.microsoft.com/office/drawing/2010/main">
+                <a:solidFill>
+                  <a:srgbClr val="FFFFFF"/>
+                </a:solidFill>
+              </a14:hiddenFill>
+            </a:ext>
+            <a:ext uri="{91240B29-F687-4F45-9708-019B960494DF}">
+              <a14:hiddenLine xmlns:a14="http://schemas.microsoft.com/office/drawing/2010/main" w="9525">
+                <a:solidFill>
+                  <a:srgbClr val="000000"/>
+                </a:solidFill>
+                <a:miter lim="800000"/>
+                <a:headEnd/>
+                <a:tailEnd/>
+              </a14:hiddenLine>
+            </a:ext>
+          </a:extLst>
+        </p:spPr>
+        <p:txBody>
+          <a:bodyPr wrap="square" numCol="1" anchor="t" anchorCtr="0" compatLnSpc="1">
+            <a:prstTxWarp prst="textNoShape">
+              <a:avLst/>
+            </a:prstTxWarp>
+          </a:bodyPr>
+          <a:lstStyle/>
+          <a:p>
+            <a:endParaRPr lang="en-GB" smtClean="0"/>
+          </a:p>
+        </p:txBody>
+      </p:sp>
+      <p:sp>
+        <p:nvSpPr>
+          <p:cNvPr id="63492" name="Slide Number Placeholder 3"/>
+          <p:cNvSpPr>
+            <a:spLocks noGrp="1"/>
+          </p:cNvSpPr>
+          <p:nvPr>
+            <p:ph type="sldNum" sz="quarter" idx="5"/>
+          </p:nvPr>
+        </p:nvSpPr>
+        <p:spPr bwMode="auto">
+          <a:noFill/>
+          <a:extLst>
+            <a:ext uri="{909E8E84-426E-40DD-AFC4-6F175D3DCCD1}">
+              <a14:hiddenFill xmlns:a14="http://schemas.microsoft.com/office/drawing/2010/main">
+                <a:solidFill>
+                  <a:srgbClr val="FFFFFF"/>
+                </a:solidFill>
+              </a14:hiddenFill>
+            </a:ext>
+            <a:ext uri="{91240B29-F687-4F45-9708-019B960494DF}">
+              <a14:hiddenLine xmlns:a14="http://schemas.microsoft.com/office/drawing/2010/main" w="9525">
+                <a:solidFill>
+                  <a:srgbClr val="000000"/>
+                </a:solidFill>
+                <a:miter lim="800000"/>
+                <a:headEnd/>
+                <a:tailEnd/>
+              </a14:hiddenLine>
+            </a:ext>
+          </a:extLst>
+        </p:spPr>
+        <p:txBody>
+          <a:bodyPr wrap="square" numCol="1" anchorCtr="0" compatLnSpc="1">
+            <a:prstTxWarp prst="textNoShape">
+              <a:avLst/>
+            </a:prstTxWarp>
+          </a:bodyPr>
+          <a:lstStyle>
+            <a:lvl1pPr eaLnBrk="0" hangingPunct="0">
+              <a:defRPr>
+                <a:solidFill>
+                  <a:schemeClr val="tx1"/>
+                </a:solidFill>
+                <a:latin typeface="Calibri" pitchFamily="34" charset="0"/>
+                <a:cs typeface="Arial" charset="0"/>
+              </a:defRPr>
+            </a:lvl1pPr>
+            <a:lvl2pPr marL="742950" indent="-285750" eaLnBrk="0" hangingPunct="0">
+              <a:defRPr>
+                <a:solidFill>
+                  <a:schemeClr val="tx1"/>
+                </a:solidFill>
+                <a:latin typeface="Calibri" pitchFamily="34" charset="0"/>
+                <a:cs typeface="Arial" charset="0"/>
+              </a:defRPr>
+            </a:lvl2pPr>
+            <a:lvl3pPr marL="1143000" indent="-228600" eaLnBrk="0" hangingPunct="0">
+              <a:defRPr>
+                <a:solidFill>
+                  <a:schemeClr val="tx1"/>
+                </a:solidFill>
+                <a:latin typeface="Calibri" pitchFamily="34" charset="0"/>
+                <a:cs typeface="Arial" charset="0"/>
+              </a:defRPr>
+            </a:lvl3pPr>
+            <a:lvl4pPr marL="1600200" indent="-228600" eaLnBrk="0" hangingPunct="0">
+              <a:defRPr>
+                <a:solidFill>
+                  <a:schemeClr val="tx1"/>
+                </a:solidFill>
+                <a:latin typeface="Calibri" pitchFamily="34" charset="0"/>
+                <a:cs typeface="Arial" charset="0"/>
+              </a:defRPr>
+            </a:lvl4pPr>
+            <a:lvl5pPr marL="2057400" indent="-228600" eaLnBrk="0" hangingPunct="0">
+              <a:defRPr>
+                <a:solidFill>
+                  <a:schemeClr val="tx1"/>
+                </a:solidFill>
+                <a:latin typeface="Calibri" pitchFamily="34" charset="0"/>
+                <a:cs typeface="Arial" charset="0"/>
+              </a:defRPr>
+            </a:lvl5pPr>
+            <a:lvl6pPr marL="2514600" indent="-228600" eaLnBrk="0" fontAlgn="base" hangingPunct="0">
+              <a:spcBef>
+                <a:spcPct val="0"/>
+              </a:spcBef>
+              <a:spcAft>
+                <a:spcPct val="0"/>
+              </a:spcAft>
+              <a:defRPr>
+                <a:solidFill>
+                  <a:schemeClr val="tx1"/>
+                </a:solidFill>
+                <a:latin typeface="Calibri" pitchFamily="34" charset="0"/>
+                <a:cs typeface="Arial" charset="0"/>
+              </a:defRPr>
+            </a:lvl6pPr>
+            <a:lvl7pPr marL="2971800" indent="-228600" eaLnBrk="0" fontAlgn="base" hangingPunct="0">
+              <a:spcBef>
+                <a:spcPct val="0"/>
+              </a:spcBef>
+              <a:spcAft>
+                <a:spcPct val="0"/>
+              </a:spcAft>
+              <a:defRPr>
+                <a:solidFill>
+                  <a:schemeClr val="tx1"/>
+                </a:solidFill>
+                <a:latin typeface="Calibri" pitchFamily="34" charset="0"/>
+                <a:cs typeface="Arial" charset="0"/>
+              </a:defRPr>
+            </a:lvl7pPr>
+            <a:lvl8pPr marL="3429000" indent="-228600" eaLnBrk="0" fontAlgn="base" hangingPunct="0">
+              <a:spcBef>
+                <a:spcPct val="0"/>
+              </a:spcBef>
+              <a:spcAft>
+                <a:spcPct val="0"/>
+              </a:spcAft>
+              <a:defRPr>
+                <a:solidFill>
+                  <a:schemeClr val="tx1"/>
+                </a:solidFill>
+                <a:latin typeface="Calibri" pitchFamily="34" charset="0"/>
+                <a:cs typeface="Arial" charset="0"/>
+              </a:defRPr>
+            </a:lvl8pPr>
+            <a:lvl9pPr marL="3886200" indent="-228600" eaLnBrk="0" fontAlgn="base" hangingPunct="0">
+              <a:spcBef>
+                <a:spcPct val="0"/>
+              </a:spcBef>
+              <a:spcAft>
+                <a:spcPct val="0"/>
+              </a:spcAft>
+              <a:defRPr>
+                <a:solidFill>
+                  <a:schemeClr val="tx1"/>
+                </a:solidFill>
+                <a:latin typeface="Calibri" pitchFamily="34" charset="0"/>
+                <a:cs typeface="Arial" charset="0"/>
+              </a:defRPr>
+            </a:lvl9pPr>
+          </a:lstStyle>
+          <a:p>
+            <a:pPr eaLnBrk="1" hangingPunct="1"/>
+            <a:fld id="{5006CFED-B566-4457-8892-CC12A78007E0}" type="slidenum">
+              <a:rPr lang="en-GB" smtClean="0"/>
+              <a:pPr eaLnBrk="1" hangingPunct="1"/>
+              <a:t>47</a:t>
             </a:fld>
             <a:endParaRPr lang="en-GB" smtClean="0"/>
           </a:p>
@@ -12441,11 +12704,7 @@
             <a:pPr eaLnBrk="1" hangingPunct="1"/>
             <a:r>
               <a:rPr lang="en-GB" strike="sngStrike" dirty="0" smtClean="0"/>
-              <a:t>Module weight &lt; </a:t>
-            </a:r>
-            <a:r>
-              <a:rPr lang="en-GB" strike="sngStrike" dirty="0" smtClean="0"/>
-              <a:t>250g</a:t>
+              <a:t>Module weight &lt; 250g</a:t>
             </a:r>
           </a:p>
           <a:p>
@@ -12460,23 +12719,12 @@
               </a:rPr>
               <a:t>##PUT IN MEASUREMENT##</a:t>
             </a:r>
-            <a:endParaRPr lang="en-GB" dirty="0" smtClean="0">
-              <a:solidFill>
-                <a:schemeClr val="accent6">
-                  <a:lumMod val="75000"/>
-                </a:schemeClr>
-              </a:solidFill>
-            </a:endParaRPr>
           </a:p>
           <a:p>
             <a:pPr eaLnBrk="1" hangingPunct="1"/>
             <a:r>
               <a:rPr lang="en-GB" strike="sngStrike" dirty="0" smtClean="0"/>
-              <a:t>Image resolution: 640 x </a:t>
-            </a:r>
-            <a:r>
-              <a:rPr lang="en-GB" strike="sngStrike" dirty="0" smtClean="0"/>
-              <a:t>480</a:t>
+              <a:t>Image resolution: 640 x 480</a:t>
             </a:r>
           </a:p>
           <a:p>
@@ -12491,13 +12739,6 @@
               </a:rPr>
               <a:t>##MULTIPLE?##</a:t>
             </a:r>
-            <a:endParaRPr lang="en-GB" dirty="0" smtClean="0">
-              <a:solidFill>
-                <a:schemeClr val="accent6">
-                  <a:lumMod val="75000"/>
-                </a:schemeClr>
-              </a:solidFill>
-            </a:endParaRPr>
           </a:p>
           <a:p>
             <a:pPr eaLnBrk="1" hangingPunct="1"/>
@@ -12950,34 +13191,55 @@
           <a:p>
             <a:pPr eaLnBrk="1" hangingPunct="1"/>
             <a:r>
+              <a:rPr lang="en-GB" b="1" dirty="0" smtClean="0"/>
+              <a:t>Hardware:</a:t>
+            </a:r>
+            <a:r>
               <a:rPr lang="en-GB" dirty="0" smtClean="0"/>
-              <a:t>Hardware: Constructed camera module (on PCB if possible)</a:t>
+              <a:t> Constructed camera module (on PCB)</a:t>
             </a:r>
           </a:p>
           <a:p>
             <a:pPr eaLnBrk="1" hangingPunct="1"/>
             <a:r>
+              <a:rPr lang="en-GB" b="1" dirty="0" smtClean="0"/>
+              <a:t>Software: </a:t>
+            </a:r>
+            <a:r>
               <a:rPr lang="en-GB" dirty="0" smtClean="0"/>
-              <a:t>Software: Firmware for module, Software for base station</a:t>
+              <a:t>Firmware for module, Software for base station</a:t>
             </a:r>
           </a:p>
           <a:p>
             <a:pPr eaLnBrk="1" hangingPunct="1"/>
             <a:r>
+              <a:rPr lang="en-GB" b="1" dirty="0" smtClean="0"/>
+              <a:t>Documentation:</a:t>
+            </a:r>
+            <a:r>
               <a:rPr lang="en-GB" dirty="0" smtClean="0"/>
-              <a:t>Documentation: Technical and User Documentation</a:t>
+              <a:t> Technical and User Documentation</a:t>
             </a:r>
           </a:p>
           <a:p>
             <a:pPr eaLnBrk="1" hangingPunct="1"/>
             <a:r>
+              <a:rPr lang="en-GB" b="1" dirty="0" smtClean="0"/>
+              <a:t>Public Repository:</a:t>
+            </a:r>
+            <a:r>
               <a:rPr lang="en-GB" dirty="0" smtClean="0"/>
-              <a:t>Public Repository: Open source, publically accessible repository, includes all the above.</a:t>
+              <a:t> Open source, publically accessible repository, includes all the above</a:t>
             </a:r>
           </a:p>
         </p:txBody>
       </p:sp>
     </p:spTree>
+    <p:extLst>
+      <p:ext uri="{BB962C8B-B14F-4D97-AF65-F5344CB8AC3E}">
+        <p14:creationId xmlns:p14="http://schemas.microsoft.com/office/powerpoint/2010/main" val="288895558"/>
+      </p:ext>
+    </p:extLst>
   </p:cSld>
   <p:clrMapOvr>
     <a:masterClrMapping/>
@@ -13050,14 +13312,22 @@
           <a:p>
             <a:pPr eaLnBrk="1" hangingPunct="1"/>
             <a:r>
+              <a:rPr lang="en-GB" b="1" dirty="0" smtClean="0"/>
+              <a:t>Hardware:</a:t>
+            </a:r>
+            <a:r>
               <a:rPr lang="en-GB" dirty="0" smtClean="0"/>
-              <a:t>Hardware: Constructed camera module (on PCB if possible)</a:t>
+              <a:t> </a:t>
+            </a:r>
+            <a:r>
+              <a:rPr lang="en-GB" strike="sngStrike" dirty="0" smtClean="0"/>
+              <a:t>Constructed camera module (on PCB)</a:t>
             </a:r>
           </a:p>
           <a:p>
             <a:pPr eaLnBrk="1" hangingPunct="1"/>
             <a:r>
-              <a:rPr lang="en-GB" dirty="0" smtClean="0"/>
+              <a:rPr lang="en-GB" b="1" dirty="0" smtClean="0"/>
               <a:t>Software: </a:t>
             </a:r>
             <a:r>
@@ -13066,21 +13336,54 @@
             </a:r>
             <a:r>
               <a:rPr lang="en-GB" dirty="0" smtClean="0"/>
-              <a:t>, Software for base station</a:t>
+              <a:t>, </a:t>
+            </a:r>
+            <a:r>
+              <a:rPr lang="en-GB" strike="sngStrike" dirty="0" smtClean="0"/>
+              <a:t>Software for base station</a:t>
             </a:r>
           </a:p>
           <a:p>
             <a:pPr eaLnBrk="1" hangingPunct="1"/>
             <a:r>
+              <a:rPr lang="en-GB" b="1" dirty="0" smtClean="0"/>
+              <a:t>Documentation:</a:t>
+            </a:r>
+            <a:r>
               <a:rPr lang="en-GB" dirty="0" smtClean="0"/>
-              <a:t>Documentation: Technical and User Documentation</a:t>
-            </a:r>
+              <a:t> Technical and User Documentation </a:t>
+            </a:r>
+            <a:r>
+              <a:rPr lang="en-GB" dirty="0">
+                <a:solidFill>
+                  <a:schemeClr val="accent6">
+                    <a:lumMod val="75000"/>
+                  </a:schemeClr>
+                </a:solidFill>
+              </a:rPr>
+              <a:t>(WIP</a:t>
+            </a:r>
+            <a:r>
+              <a:rPr lang="en-GB" dirty="0" smtClean="0">
+                <a:solidFill>
+                  <a:schemeClr val="accent6">
+                    <a:lumMod val="75000"/>
+                  </a:schemeClr>
+                </a:solidFill>
+              </a:rPr>
+              <a:t>)</a:t>
+            </a:r>
+            <a:endParaRPr lang="en-GB" dirty="0" smtClean="0"/>
           </a:p>
           <a:p>
             <a:pPr eaLnBrk="1" hangingPunct="1"/>
             <a:r>
+              <a:rPr lang="en-GB" b="1" dirty="0" smtClean="0"/>
+              <a:t>Public Repository:</a:t>
+            </a:r>
+            <a:r>
               <a:rPr lang="en-GB" dirty="0" smtClean="0"/>
-              <a:t>Public Repository: </a:t>
+              <a:t> </a:t>
             </a:r>
             <a:r>
               <a:rPr lang="en-GB" strike="sngStrike" dirty="0" smtClean="0"/>
@@ -13096,11 +13399,11 @@
             </a:r>
             <a:r>
               <a:rPr lang="en-GB" dirty="0" smtClean="0"/>
-              <a:t>, includes all the above</a:t>
-            </a:r>
-            <a:r>
-              <a:rPr lang="en-GB" dirty="0" smtClean="0"/>
-              <a:t>.</a:t>
+              <a:t>, </a:t>
+            </a:r>
+            <a:r>
+              <a:rPr lang="en-GB" strike="sngStrike" dirty="0" smtClean="0"/>
+              <a:t>includes all the above.</a:t>
             </a:r>
           </a:p>
           <a:p>
@@ -13115,6 +13418,88 @@
           </a:p>
         </p:txBody>
       </p:sp>
+      <p:pic>
+        <p:nvPicPr>
+          <p:cNvPr id="4" name="Picture 7" descr="http://www.clker.com/cliparts/e/3/9/7/1245686792938124914raemi_Check_mark.svg.hi.png"/>
+          <p:cNvPicPr>
+            <a:picLocks noChangeAspect="1" noChangeArrowheads="1"/>
+          </p:cNvPicPr>
+          <p:nvPr/>
+        </p:nvPicPr>
+        <p:blipFill>
+          <a:blip r:embed="rId4" cstate="print">
+            <a:extLst>
+              <a:ext uri="{28A0092B-C50C-407E-A947-70E740481C1C}">
+                <a14:useLocalDpi xmlns:a14="http://schemas.microsoft.com/office/drawing/2010/main" val="0"/>
+              </a:ext>
+            </a:extLst>
+          </a:blip>
+          <a:srcRect/>
+          <a:stretch>
+            <a:fillRect/>
+          </a:stretch>
+        </p:blipFill>
+        <p:spPr bwMode="auto">
+          <a:xfrm>
+            <a:off x="1763688" y="2204864"/>
+            <a:ext cx="438917" cy="406858"/>
+          </a:xfrm>
+          <a:prstGeom prst="rect">
+            <a:avLst/>
+          </a:prstGeom>
+          <a:noFill/>
+          <a:extLst>
+            <a:ext uri="{909E8E84-426E-40DD-AFC4-6F175D3DCCD1}">
+              <a14:hiddenFill xmlns:a14="http://schemas.microsoft.com/office/drawing/2010/main">
+                <a:solidFill>
+                  <a:srgbClr val="FFFFFF"/>
+                </a:solidFill>
+              </a14:hiddenFill>
+            </a:ext>
+          </a:extLst>
+        </p:spPr>
+      </p:pic>
+      <p:pic>
+        <p:nvPicPr>
+          <p:cNvPr id="5" name="Picture 7" descr="http://www.clker.com/cliparts/e/3/9/7/1245686792938124914raemi_Check_mark.svg.hi.png"/>
+          <p:cNvPicPr>
+            <a:picLocks noChangeAspect="1" noChangeArrowheads="1"/>
+          </p:cNvPicPr>
+          <p:nvPr/>
+        </p:nvPicPr>
+        <p:blipFill>
+          <a:blip r:embed="rId4" cstate="print">
+            <a:extLst>
+              <a:ext uri="{28A0092B-C50C-407E-A947-70E740481C1C}">
+                <a14:useLocalDpi xmlns:a14="http://schemas.microsoft.com/office/drawing/2010/main" val="0"/>
+              </a:ext>
+            </a:extLst>
+          </a:blip>
+          <a:srcRect/>
+          <a:stretch>
+            <a:fillRect/>
+          </a:stretch>
+        </p:blipFill>
+        <p:spPr bwMode="auto">
+          <a:xfrm>
+            <a:off x="3059832" y="3212976"/>
+            <a:ext cx="438917" cy="406858"/>
+          </a:xfrm>
+          <a:prstGeom prst="rect">
+            <a:avLst/>
+          </a:prstGeom>
+          <a:noFill/>
+          <a:extLst>
+            <a:ext uri="{909E8E84-426E-40DD-AFC4-6F175D3DCCD1}">
+              <a14:hiddenFill xmlns:a14="http://schemas.microsoft.com/office/drawing/2010/main">
+                <a:solidFill>
+                  <a:srgbClr val="FFFFFF"/>
+                </a:solidFill>
+              </a14:hiddenFill>
+            </a:ext>
+          </a:extLst>
+        </p:spPr>
+      </p:pic>
     </p:spTree>
     <p:extLst>
       <p:ext uri="{BB962C8B-B14F-4D97-AF65-F5344CB8AC3E}">
@@ -16140,13 +16525,8 @@
             <a:pPr eaLnBrk="1" hangingPunct="1"/>
             <a:r>
               <a:rPr lang="en-GB" dirty="0" smtClean="0"/>
-              <a:t>Breakdown of </a:t>
-            </a:r>
-            <a:r>
-              <a:rPr lang="en-GB" dirty="0" smtClean="0"/>
-              <a:t>Progress</a:t>
-            </a:r>
-            <a:endParaRPr lang="en-GB" dirty="0" smtClean="0"/>
+              <a:t>Breakdown of Progress</a:t>
+            </a:r>
           </a:p>
         </p:txBody>
       </p:sp>
@@ -16322,15 +16702,7 @@
             <a:pPr eaLnBrk="1" hangingPunct="1"/>
             <a:r>
               <a:rPr lang="en-GB" dirty="0" smtClean="0"/>
-              <a:t>Breakdown of </a:t>
-            </a:r>
-            <a:r>
-              <a:rPr lang="en-GB" dirty="0" smtClean="0"/>
-              <a:t>Progress: </a:t>
-            </a:r>
-            <a:r>
-              <a:rPr lang="en-GB" dirty="0" smtClean="0"/>
-              <a:t>UAV Payload</a:t>
+              <a:t>Breakdown of Progress: UAV Payload</a:t>
             </a:r>
           </a:p>
         </p:txBody>
@@ -16646,15 +17018,7 @@
             <a:pPr eaLnBrk="1" hangingPunct="1"/>
             <a:r>
               <a:rPr lang="en-GB" dirty="0" smtClean="0"/>
-              <a:t>Breakdown of </a:t>
-            </a:r>
-            <a:r>
-              <a:rPr lang="en-GB" dirty="0" smtClean="0"/>
-              <a:t>Progress: </a:t>
-            </a:r>
-            <a:r>
-              <a:rPr lang="en-GB" dirty="0" smtClean="0"/>
-              <a:t>UAV Payload</a:t>
+              <a:t>Breakdown of Progress: UAV Payload</a:t>
             </a:r>
           </a:p>
         </p:txBody>
@@ -21728,6 +22092,405 @@
       </p:grpSpPr>
       <p:sp>
         <p:nvSpPr>
+          <p:cNvPr id="2" name="Title 1"/>
+          <p:cNvSpPr>
+            <a:spLocks noGrp="1"/>
+          </p:cNvSpPr>
+          <p:nvPr>
+            <p:ph type="title"/>
+          </p:nvPr>
+        </p:nvSpPr>
+        <p:spPr/>
+        <p:txBody>
+          <a:bodyPr/>
+          <a:lstStyle/>
+          <a:p>
+            <a:r>
+              <a:rPr lang="en-GB" dirty="0" smtClean="0"/>
+              <a:t>GUI</a:t>
+            </a:r>
+            <a:endParaRPr lang="en-GB" dirty="0"/>
+          </a:p>
+        </p:txBody>
+      </p:sp>
+      <p:sp>
+        <p:nvSpPr>
+          <p:cNvPr id="3" name="Content Placeholder 2"/>
+          <p:cNvSpPr>
+            <a:spLocks noGrp="1"/>
+          </p:cNvSpPr>
+          <p:nvPr>
+            <p:ph idx="1"/>
+          </p:nvPr>
+        </p:nvSpPr>
+        <p:spPr/>
+        <p:txBody>
+          <a:bodyPr/>
+          <a:lstStyle/>
+          <a:p>
+            <a:r>
+              <a:rPr lang="en-GB" dirty="0" smtClean="0"/>
+              <a:t>&lt;</a:t>
+            </a:r>
+            <a:r>
+              <a:rPr lang="en-GB" dirty="0"/>
+              <a:t>s</a:t>
+            </a:r>
+            <a:r>
+              <a:rPr lang="en-GB" dirty="0" smtClean="0"/>
+              <a:t>creen shots&gt;</a:t>
+            </a:r>
+            <a:endParaRPr lang="en-GB" dirty="0"/>
+          </a:p>
+        </p:txBody>
+      </p:sp>
+    </p:spTree>
+    <p:extLst>
+      <p:ext uri="{BB962C8B-B14F-4D97-AF65-F5344CB8AC3E}">
+        <p14:creationId xmlns:p14="http://schemas.microsoft.com/office/powerpoint/2010/main" val="528488136"/>
+      </p:ext>
+    </p:extLst>
+  </p:cSld>
+  <p:clrMapOvr>
+    <a:masterClrMapping/>
+  </p:clrMapOvr>
+</p:sld>
+</file>
+
+<file path=ppt/slides/slide41.xml><?xml version="1.0" encoding="utf-8"?>
+<p:sld xmlns:a="http://schemas.openxmlformats.org/drawingml/2006/main" xmlns:r="http://schemas.openxmlformats.org/officeDocument/2006/relationships" xmlns:p="http://schemas.openxmlformats.org/presentationml/2006/main">
+  <p:cSld>
+    <p:spTree>
+      <p:nvGrpSpPr>
+        <p:cNvPr id="1" name=""/>
+        <p:cNvGrpSpPr/>
+        <p:nvPr/>
+      </p:nvGrpSpPr>
+      <p:grpSpPr>
+        <a:xfrm>
+          <a:off x="0" y="0"/>
+          <a:ext cx="0" cy="0"/>
+          <a:chOff x="0" y="0"/>
+          <a:chExt cx="0" cy="0"/>
+        </a:xfrm>
+      </p:grpSpPr>
+      <p:sp>
+        <p:nvSpPr>
+          <p:cNvPr id="15362" name="Title 1"/>
+          <p:cNvSpPr>
+            <a:spLocks noGrp="1"/>
+          </p:cNvSpPr>
+          <p:nvPr>
+            <p:ph type="title"/>
+          </p:nvPr>
+        </p:nvSpPr>
+        <p:spPr>
+          <a:xfrm>
+            <a:off x="457200" y="274638"/>
+            <a:ext cx="8229600" cy="1282700"/>
+          </a:xfrm>
+        </p:spPr>
+        <p:txBody>
+          <a:bodyPr rtlCol="0">
+            <a:normAutofit fontScale="90000"/>
+          </a:bodyPr>
+          <a:lstStyle/>
+          <a:p>
+            <a:pPr eaLnBrk="1" fontAlgn="auto" hangingPunct="1">
+              <a:spcAft>
+                <a:spcPts val="0"/>
+              </a:spcAft>
+              <a:defRPr/>
+            </a:pPr>
+            <a:r>
+              <a:rPr lang="en-GB" smtClean="0"/>
+              <a:t>Breakdown of Tasks: </a:t>
+            </a:r>
+            <a:br>
+              <a:rPr lang="en-GB" smtClean="0"/>
+            </a:br>
+            <a:r>
+              <a:rPr lang="en-GB" smtClean="0"/>
+              <a:t>Complete System</a:t>
+            </a:r>
+          </a:p>
+        </p:txBody>
+      </p:sp>
+      <p:pic>
+        <p:nvPicPr>
+          <p:cNvPr id="25603" name="Picture 4" descr="https://forge.ecs.soton.ac.uk/plugins/scmsvn/viewcvs.php/*checkout*/documents/spec_block_diagram_1.png?rev=13&amp;root=uavcamera"/>
+          <p:cNvPicPr>
+            <a:picLocks noGrp="1" noChangeAspect="1" noChangeArrowheads="1"/>
+          </p:cNvPicPr>
+          <p:nvPr>
+            <p:ph idx="1"/>
+          </p:nvPr>
+        </p:nvPicPr>
+        <p:blipFill>
+          <a:blip r:embed="rId3">
+            <a:extLst>
+              <a:ext uri="{28A0092B-C50C-407E-A947-70E740481C1C}">
+                <a14:useLocalDpi xmlns:a14="http://schemas.microsoft.com/office/drawing/2010/main" val="0"/>
+              </a:ext>
+            </a:extLst>
+          </a:blip>
+          <a:srcRect/>
+          <a:stretch>
+            <a:fillRect/>
+          </a:stretch>
+        </p:blipFill>
+        <p:spPr>
+          <a:xfrm>
+            <a:off x="539750" y="2060575"/>
+            <a:ext cx="4679950" cy="3352800"/>
+          </a:xfrm>
+          <a:noFill/>
+        </p:spPr>
+      </p:pic>
+      <p:sp>
+        <p:nvSpPr>
+          <p:cNvPr id="25604" name="TextBox 4"/>
+          <p:cNvSpPr txBox="1">
+            <a:spLocks noChangeArrowheads="1"/>
+          </p:cNvSpPr>
+          <p:nvPr/>
+        </p:nvSpPr>
+        <p:spPr bwMode="auto">
+          <a:xfrm>
+            <a:off x="5508625" y="1989138"/>
+            <a:ext cx="2951163" cy="3046412"/>
+          </a:xfrm>
+          <a:prstGeom prst="rect">
+            <a:avLst/>
+          </a:prstGeom>
+          <a:noFill/>
+          <a:ln>
+            <a:noFill/>
+          </a:ln>
+          <a:extLst>
+            <a:ext uri="{909E8E84-426E-40DD-AFC4-6F175D3DCCD1}">
+              <a14:hiddenFill xmlns:a14="http://schemas.microsoft.com/office/drawing/2010/main">
+                <a:solidFill>
+                  <a:srgbClr val="FFFFFF"/>
+                </a:solidFill>
+              </a14:hiddenFill>
+            </a:ext>
+            <a:ext uri="{91240B29-F687-4F45-9708-019B960494DF}">
+              <a14:hiddenLine xmlns:a14="http://schemas.microsoft.com/office/drawing/2010/main" w="9525">
+                <a:solidFill>
+                  <a:srgbClr val="000000"/>
+                </a:solidFill>
+                <a:miter lim="800000"/>
+                <a:headEnd/>
+                <a:tailEnd/>
+              </a14:hiddenLine>
+            </a:ext>
+          </a:extLst>
+        </p:spPr>
+        <p:txBody>
+          <a:bodyPr>
+            <a:spAutoFit/>
+          </a:bodyPr>
+          <a:lstStyle>
+            <a:lvl1pPr marL="285750" indent="-285750" eaLnBrk="0" hangingPunct="0">
+              <a:defRPr>
+                <a:solidFill>
+                  <a:schemeClr val="tx1"/>
+                </a:solidFill>
+                <a:latin typeface="Calibri" pitchFamily="34" charset="0"/>
+                <a:cs typeface="Arial" charset="0"/>
+              </a:defRPr>
+            </a:lvl1pPr>
+            <a:lvl2pPr marL="742950" indent="-285750" eaLnBrk="0" hangingPunct="0">
+              <a:defRPr>
+                <a:solidFill>
+                  <a:schemeClr val="tx1"/>
+                </a:solidFill>
+                <a:latin typeface="Calibri" pitchFamily="34" charset="0"/>
+                <a:cs typeface="Arial" charset="0"/>
+              </a:defRPr>
+            </a:lvl2pPr>
+            <a:lvl3pPr marL="1143000" indent="-228600" eaLnBrk="0" hangingPunct="0">
+              <a:defRPr>
+                <a:solidFill>
+                  <a:schemeClr val="tx1"/>
+                </a:solidFill>
+                <a:latin typeface="Calibri" pitchFamily="34" charset="0"/>
+                <a:cs typeface="Arial" charset="0"/>
+              </a:defRPr>
+            </a:lvl3pPr>
+            <a:lvl4pPr marL="1600200" indent="-228600" eaLnBrk="0" hangingPunct="0">
+              <a:defRPr>
+                <a:solidFill>
+                  <a:schemeClr val="tx1"/>
+                </a:solidFill>
+                <a:latin typeface="Calibri" pitchFamily="34" charset="0"/>
+                <a:cs typeface="Arial" charset="0"/>
+              </a:defRPr>
+            </a:lvl4pPr>
+            <a:lvl5pPr marL="2057400" indent="-228600" eaLnBrk="0" hangingPunct="0">
+              <a:defRPr>
+                <a:solidFill>
+                  <a:schemeClr val="tx1"/>
+                </a:solidFill>
+                <a:latin typeface="Calibri" pitchFamily="34" charset="0"/>
+                <a:cs typeface="Arial" charset="0"/>
+              </a:defRPr>
+            </a:lvl5pPr>
+            <a:lvl6pPr marL="2514600" indent="-228600" eaLnBrk="0" fontAlgn="base" hangingPunct="0">
+              <a:spcBef>
+                <a:spcPct val="0"/>
+              </a:spcBef>
+              <a:spcAft>
+                <a:spcPct val="0"/>
+              </a:spcAft>
+              <a:defRPr>
+                <a:solidFill>
+                  <a:schemeClr val="tx1"/>
+                </a:solidFill>
+                <a:latin typeface="Calibri" pitchFamily="34" charset="0"/>
+                <a:cs typeface="Arial" charset="0"/>
+              </a:defRPr>
+            </a:lvl6pPr>
+            <a:lvl7pPr marL="2971800" indent="-228600" eaLnBrk="0" fontAlgn="base" hangingPunct="0">
+              <a:spcBef>
+                <a:spcPct val="0"/>
+              </a:spcBef>
+              <a:spcAft>
+                <a:spcPct val="0"/>
+              </a:spcAft>
+              <a:defRPr>
+                <a:solidFill>
+                  <a:schemeClr val="tx1"/>
+                </a:solidFill>
+                <a:latin typeface="Calibri" pitchFamily="34" charset="0"/>
+                <a:cs typeface="Arial" charset="0"/>
+              </a:defRPr>
+            </a:lvl7pPr>
+            <a:lvl8pPr marL="3429000" indent="-228600" eaLnBrk="0" fontAlgn="base" hangingPunct="0">
+              <a:spcBef>
+                <a:spcPct val="0"/>
+              </a:spcBef>
+              <a:spcAft>
+                <a:spcPct val="0"/>
+              </a:spcAft>
+              <a:defRPr>
+                <a:solidFill>
+                  <a:schemeClr val="tx1"/>
+                </a:solidFill>
+                <a:latin typeface="Calibri" pitchFamily="34" charset="0"/>
+                <a:cs typeface="Arial" charset="0"/>
+              </a:defRPr>
+            </a:lvl8pPr>
+            <a:lvl9pPr marL="3886200" indent="-228600" eaLnBrk="0" fontAlgn="base" hangingPunct="0">
+              <a:spcBef>
+                <a:spcPct val="0"/>
+              </a:spcBef>
+              <a:spcAft>
+                <a:spcPct val="0"/>
+              </a:spcAft>
+              <a:defRPr>
+                <a:solidFill>
+                  <a:schemeClr val="tx1"/>
+                </a:solidFill>
+                <a:latin typeface="Calibri" pitchFamily="34" charset="0"/>
+                <a:cs typeface="Arial" charset="0"/>
+              </a:defRPr>
+            </a:lvl9pPr>
+          </a:lstStyle>
+          <a:p>
+            <a:pPr eaLnBrk="1" hangingPunct="1">
+              <a:buFont typeface="Arial" charset="0"/>
+              <a:buChar char="•"/>
+            </a:pPr>
+            <a:r>
+              <a:rPr lang="en-GB" sz="2400" dirty="0"/>
+              <a:t>Background Research</a:t>
+            </a:r>
+          </a:p>
+          <a:p>
+            <a:pPr eaLnBrk="1" hangingPunct="1">
+              <a:buFont typeface="Arial" charset="0"/>
+              <a:buChar char="•"/>
+            </a:pPr>
+            <a:r>
+              <a:rPr lang="en-GB" sz="2400" dirty="0"/>
+              <a:t>UAV module / Base station Integration</a:t>
+            </a:r>
+          </a:p>
+          <a:p>
+            <a:pPr eaLnBrk="1" hangingPunct="1">
+              <a:buFont typeface="Arial" charset="0"/>
+              <a:buChar char="•"/>
+            </a:pPr>
+            <a:r>
+              <a:rPr lang="en-GB" sz="2400" dirty="0"/>
+              <a:t>Whole System Testing</a:t>
+            </a:r>
+          </a:p>
+          <a:p>
+            <a:pPr eaLnBrk="1" hangingPunct="1">
+              <a:buFont typeface="Arial" charset="0"/>
+              <a:buChar char="•"/>
+            </a:pPr>
+            <a:r>
+              <a:rPr lang="en-GB" sz="2400" dirty="0"/>
+              <a:t>Delicious Report </a:t>
+            </a:r>
+            <a:r>
+              <a:rPr lang="en-GB" sz="2400" dirty="0" smtClean="0"/>
+              <a:t>Writing</a:t>
+            </a:r>
+            <a:endParaRPr lang="en-GB" sz="2400" dirty="0">
+              <a:solidFill>
+                <a:schemeClr val="accent6">
+                  <a:lumMod val="75000"/>
+                </a:schemeClr>
+              </a:solidFill>
+            </a:endParaRPr>
+          </a:p>
+        </p:txBody>
+      </p:sp>
+    </p:spTree>
+    <p:extLst>
+      <p:ext uri="{BB962C8B-B14F-4D97-AF65-F5344CB8AC3E}">
+        <p14:creationId xmlns:p14="http://schemas.microsoft.com/office/powerpoint/2010/main" val="3455038271"/>
+      </p:ext>
+    </p:extLst>
+  </p:cSld>
+  <p:clrMapOvr>
+    <a:masterClrMapping/>
+  </p:clrMapOvr>
+  <p:transition spd="slow"/>
+  <p:timing>
+    <p:tnLst>
+      <p:par>
+        <p:cTn id="1" dur="indefinite" restart="never" nodeType="tmRoot"/>
+      </p:par>
+    </p:tnLst>
+  </p:timing>
+</p:sld>
+</file>
+
+<file path=ppt/slides/slide42.xml><?xml version="1.0" encoding="utf-8"?>
+<p:sld xmlns:a="http://schemas.openxmlformats.org/drawingml/2006/main" xmlns:r="http://schemas.openxmlformats.org/officeDocument/2006/relationships" xmlns:p="http://schemas.openxmlformats.org/presentationml/2006/main">
+  <p:cSld>
+    <p:spTree>
+      <p:nvGrpSpPr>
+        <p:cNvPr id="1" name=""/>
+        <p:cNvGrpSpPr/>
+        <p:nvPr/>
+      </p:nvGrpSpPr>
+      <p:grpSpPr>
+        <a:xfrm>
+          <a:off x="0" y="0"/>
+          <a:ext cx="0" cy="0"/>
+          <a:chOff x="0" y="0"/>
+          <a:chExt cx="0" cy="0"/>
+        </a:xfrm>
+      </p:grpSpPr>
+      <p:sp>
+        <p:nvSpPr>
           <p:cNvPr id="15362" name="Title 1"/>
           <p:cNvSpPr>
             <a:spLocks noGrp="1"/>
@@ -22152,7 +22915,83 @@
 </p:sld>
 </file>
 
-<file path=ppt/slides/slide41.xml><?xml version="1.0" encoding="utf-8"?>
+<file path=ppt/slides/slide43.xml><?xml version="1.0" encoding="utf-8"?>
+<p:sld xmlns:a="http://schemas.openxmlformats.org/drawingml/2006/main" xmlns:r="http://schemas.openxmlformats.org/officeDocument/2006/relationships" xmlns:p="http://schemas.openxmlformats.org/presentationml/2006/main">
+  <p:cSld>
+    <p:spTree>
+      <p:nvGrpSpPr>
+        <p:cNvPr id="1" name=""/>
+        <p:cNvGrpSpPr/>
+        <p:nvPr/>
+      </p:nvGrpSpPr>
+      <p:grpSpPr>
+        <a:xfrm>
+          <a:off x="0" y="0"/>
+          <a:ext cx="0" cy="0"/>
+          <a:chOff x="0" y="0"/>
+          <a:chExt cx="0" cy="0"/>
+        </a:xfrm>
+      </p:grpSpPr>
+      <p:sp>
+        <p:nvSpPr>
+          <p:cNvPr id="2" name="Title 1"/>
+          <p:cNvSpPr>
+            <a:spLocks noGrp="1"/>
+          </p:cNvSpPr>
+          <p:nvPr>
+            <p:ph type="title"/>
+          </p:nvPr>
+        </p:nvSpPr>
+        <p:spPr/>
+        <p:txBody>
+          <a:bodyPr/>
+          <a:lstStyle/>
+          <a:p>
+            <a:r>
+              <a:rPr lang="en-GB" dirty="0" smtClean="0"/>
+              <a:t>YAY</a:t>
+            </a:r>
+            <a:endParaRPr lang="en-GB" dirty="0"/>
+          </a:p>
+        </p:txBody>
+      </p:sp>
+      <p:sp>
+        <p:nvSpPr>
+          <p:cNvPr id="3" name="Content Placeholder 2"/>
+          <p:cNvSpPr>
+            <a:spLocks noGrp="1"/>
+          </p:cNvSpPr>
+          <p:nvPr>
+            <p:ph idx="1"/>
+          </p:nvPr>
+        </p:nvSpPr>
+        <p:spPr/>
+        <p:txBody>
+          <a:bodyPr/>
+          <a:lstStyle/>
+          <a:p>
+            <a:r>
+              <a:rPr lang="en-GB" dirty="0" smtClean="0"/>
+              <a:t>STREAMS!!!!!!!11</a:t>
+            </a:r>
+            <a:endParaRPr lang="en-GB" dirty="0"/>
+          </a:p>
+        </p:txBody>
+      </p:sp>
+    </p:spTree>
+    <p:extLst>
+      <p:ext uri="{BB962C8B-B14F-4D97-AF65-F5344CB8AC3E}">
+        <p14:creationId xmlns:p14="http://schemas.microsoft.com/office/powerpoint/2010/main" val="1391218995"/>
+      </p:ext>
+    </p:extLst>
+  </p:cSld>
+  <p:clrMapOvr>
+    <a:masterClrMapping/>
+  </p:clrMapOvr>
+</p:sld>
+</file>
+
+<file path=ppt/slides/slide44.xml><?xml version="1.0" encoding="utf-8"?>
 <p:sld xmlns:a="http://schemas.openxmlformats.org/drawingml/2006/main" xmlns:r="http://schemas.openxmlformats.org/officeDocument/2006/relationships" xmlns:p="http://schemas.openxmlformats.org/presentationml/2006/main">
   <p:cSld>
     <p:spTree>
@@ -22231,7 +23070,7 @@
 </p:sld>
 </file>
 
-<file path=ppt/slides/slide42.xml><?xml version="1.0" encoding="utf-8"?>
+<file path=ppt/slides/slide45.xml><?xml version="1.0" encoding="utf-8"?>
 <p:sld xmlns:a="http://schemas.openxmlformats.org/drawingml/2006/main" xmlns:r="http://schemas.openxmlformats.org/officeDocument/2006/relationships" xmlns:p="http://schemas.openxmlformats.org/presentationml/2006/main">
   <p:cSld>
     <p:spTree>
@@ -22310,7 +23149,7 @@
 </p:sld>
 </file>
 
-<file path=ppt/slides/slide43.xml><?xml version="1.0" encoding="utf-8"?>
+<file path=ppt/slides/slide46.xml><?xml version="1.0" encoding="utf-8"?>
 <p:sld xmlns:a="http://schemas.openxmlformats.org/drawingml/2006/main" xmlns:r="http://schemas.openxmlformats.org/officeDocument/2006/relationships" xmlns:p="http://schemas.openxmlformats.org/presentationml/2006/main">
   <p:cSld>
     <p:spTree>
@@ -22418,7 +23257,7 @@
 </p:sld>
 </file>
 
-<file path=ppt/slides/slide44.xml><?xml version="1.0" encoding="utf-8"?>
+<file path=ppt/slides/slide47.xml><?xml version="1.0" encoding="utf-8"?>
 <p:sld xmlns:a="http://schemas.openxmlformats.org/drawingml/2006/main" xmlns:r="http://schemas.openxmlformats.org/officeDocument/2006/relationships" xmlns:p="http://schemas.openxmlformats.org/presentationml/2006/main">
   <p:cSld>
     <p:spTree>
@@ -22948,7 +23787,6 @@
               <a:rPr lang="en-GB" dirty="0" smtClean="0"/>
               <a:t>Progress Overview</a:t>
             </a:r>
-            <a:endParaRPr lang="en-GB" dirty="0" smtClean="0"/>
           </a:p>
         </p:txBody>
       </p:sp>
@@ -23258,11 +24096,7 @@
             <a:pPr eaLnBrk="1" hangingPunct="1"/>
             <a:r>
               <a:rPr lang="en-GB" strike="sngStrike" dirty="0" smtClean="0"/>
-              <a:t>Prompt (from base station) to capture and download </a:t>
-            </a:r>
-            <a:r>
-              <a:rPr lang="en-GB" strike="sngStrike" dirty="0" smtClean="0"/>
-              <a:t>image</a:t>
+              <a:t>Prompt (from base station) to capture and download image</a:t>
             </a:r>
           </a:p>
           <a:p>
@@ -23277,13 +24111,6 @@
               </a:rPr>
               <a:t>GUI under construction</a:t>
             </a:r>
-            <a:endParaRPr lang="en-GB" dirty="0" smtClean="0">
-              <a:solidFill>
-                <a:schemeClr val="accent6">
-                  <a:lumMod val="75000"/>
-                </a:schemeClr>
-              </a:solidFill>
-            </a:endParaRPr>
           </a:p>
           <a:p>
             <a:pPr eaLnBrk="1" hangingPunct="1"/>
@@ -23291,17 +24118,12 @@
               <a:rPr lang="en-GB" dirty="0" smtClean="0"/>
               <a:t>Progressive Image encoding/decoding</a:t>
             </a:r>
-            <a:endParaRPr lang="en-GB" dirty="0" smtClean="0"/>
           </a:p>
           <a:p>
             <a:pPr eaLnBrk="1" hangingPunct="1"/>
             <a:r>
               <a:rPr lang="en-GB" strike="sngStrike" dirty="0" smtClean="0"/>
-              <a:t>Minimise download time (less than 3 minutes</a:t>
-            </a:r>
-            <a:r>
-              <a:rPr lang="en-GB" strike="sngStrike" dirty="0" smtClean="0"/>
-              <a:t>)</a:t>
+              <a:t>Minimise download time (less than 3 minutes)</a:t>
             </a:r>
             <a:endParaRPr lang="en-GB" strike="sngStrike" dirty="0"/>
           </a:p>

--- a/documents/seminar 2/GDP Group 18 pres.pptx
+++ b/documents/seminar 2/GDP Group 18 pres.pptx
@@ -14858,7 +14858,11 @@
             </a:pPr>
             <a:r>
               <a:rPr lang="en-GB" dirty="0" smtClean="0"/>
-              <a:t>Project management</a:t>
+              <a:t>Project </a:t>
+            </a:r>
+            <a:r>
+              <a:rPr lang="en-GB" dirty="0" smtClean="0"/>
+              <a:t>management</a:t>
             </a:r>
           </a:p>
           <a:p>
@@ -14872,7 +14876,7 @@
             </a:pPr>
             <a:r>
               <a:rPr lang="en-GB" dirty="0" smtClean="0"/>
-              <a:t>Progress</a:t>
+              <a:t>Demo</a:t>
             </a:r>
           </a:p>
           <a:p>
@@ -14885,9 +14889,10 @@
               <a:defRPr/>
             </a:pPr>
             <a:r>
-              <a:rPr lang="en-GB" dirty="0" smtClean="0"/>
-              <a:t>Next Steps</a:t>
-            </a:r>
+              <a:rPr lang="en-GB" smtClean="0"/>
+              <a:t>Questions</a:t>
+            </a:r>
+            <a:endParaRPr lang="en-GB" dirty="0" smtClean="0"/>
           </a:p>
         </p:txBody>
       </p:sp>
@@ -25169,7 +25174,7 @@
                                     <p:cond delay="0"/>
                                   </p:stCondLst>
                                   <p:childTnLst>
-                                    <p:animMotion origin="layout" path="M 0 0 C 0 0.033 0.027 0.06 0.06 0.06 C 0.099 0.06 0.113 0.03 0.119 0.012 L 0.125 -0.012 C 0.131 -0.03 0.146 -0.06 0.19 -0.06 C 0.218 -0.06 0.25 -0.033 0.25 0 C 0.25 0.033 0.218 0.06 0.19 0.06 C 0.146 0.06 0.131 0.03 0.125 0.012 L 0.119 -0.012 C 0.113 -0.03 0.099 -0.06 0.06 -0.06 C 0.027 -0.06 0 -0.033 0 0 Z" pathEditMode="relative" ptsTypes="">
+                                    <p:animMotion origin="layout" path="M 1.94444E-6 0 C 1.94444E-6 0.0331 0.02656 0.05995 0.05885 0.05995 C 0.09687 0.05995 0.11059 0.03009 0.11632 0.01204 L 0.12222 -0.01204 C 0.1283 -0.03009 0.14271 -0.05995 0.18559 -0.05995 C 0.21302 -0.05995 0.24444 -0.0331 0.24444 0 C 0.24444 0.0331 0.21302 0.05995 0.18559 0.05995 C 0.14271 0.05995 0.1283 0.03009 0.12222 0.01204 L 0.11632 -0.01204 C 0.11059 -0.03009 0.09687 -0.05995 0.05885 -0.05995 C 0.02656 -0.05995 1.94444E-6 -0.0331 1.94444E-6 0 Z " pathEditMode="relative" rAng="0" ptsTypes="ffFffffFfff">
                                       <p:cBhvr>
                                         <p:cTn id="6" dur="2000" fill="hold"/>
                                         <p:tgtEl>
@@ -25180,6 +25185,7 @@
                                           <p:attrName>ppt_y</p:attrName>
                                         </p:attrNameLst>
                                       </p:cBhvr>
+                                      <p:rCtr x="12222" y="0"/>
                                     </p:animMotion>
                                   </p:childTnLst>
                                 </p:cTn>
@@ -25476,22 +25482,14 @@
             <a:pPr eaLnBrk="1" hangingPunct="1"/>
             <a:r>
               <a:rPr lang="en-GB" dirty="0" smtClean="0"/>
-              <a:t>Progressive </a:t>
-            </a:r>
+              <a:t>Progressive Image encoding/decoding</a:t>
+            </a:r>
+          </a:p>
+          <a:p>
+            <a:pPr eaLnBrk="1" hangingPunct="1"/>
             <a:r>
               <a:rPr lang="en-GB" dirty="0" smtClean="0"/>
-              <a:t>Image encoding/decoding</a:t>
-            </a:r>
-          </a:p>
-          <a:p>
-            <a:pPr eaLnBrk="1" hangingPunct="1"/>
-            <a:r>
-              <a:rPr lang="en-GB" dirty="0" smtClean="0"/>
-              <a:t>Minimise download time (less than 3 minutes</a:t>
-            </a:r>
-            <a:r>
-              <a:rPr lang="en-GB" dirty="0" smtClean="0"/>
-              <a:t>)</a:t>
+              <a:t>Minimise download time (less than 3 minutes)</a:t>
             </a:r>
             <a:endParaRPr lang="en-GB" dirty="0"/>
           </a:p>
